--- a/Projects/learning-methodology/presentations/limit.pptx
+++ b/Projects/learning-methodology/presentations/limit.pptx
@@ -104,6 +104,22 @@
       </a:defRPr>
     </a:lvl9pPr>
   </p:defaultTextStyle>
+  <p:extLst>
+    <p:ext uri="{EFAFB233-063F-42B5-8137-9DF3F51BA10A}">
+      <p15:sldGuideLst xmlns:p15="http://schemas.microsoft.com/office/powerpoint/2012/main">
+        <p15:guide id="1" orient="horz" pos="2160">
+          <p15:clr>
+            <a:srgbClr val="A4A3A4"/>
+          </p15:clr>
+        </p15:guide>
+        <p15:guide id="2" pos="2880">
+          <p15:clr>
+            <a:srgbClr val="A4A3A4"/>
+          </p15:clr>
+        </p15:guide>
+      </p15:sldGuideLst>
+    </p:ext>
+  </p:extLst>
 </p:presentation>
 </file>
 
@@ -145,10 +161,9 @@
           <a:lstStyle/>
           <a:p>
             <a:r>
-              <a:rPr lang="en-US" smtClean="0"/>
+              <a:rPr lang="en-US"/>
               <a:t>Click to edit Master title style</a:t>
             </a:r>
-            <a:endParaRPr lang="en-US"/>
           </a:p>
         </p:txBody>
       </p:sp>
@@ -264,10 +279,9 @@
           </a:lstStyle>
           <a:p>
             <a:r>
-              <a:rPr lang="en-US" smtClean="0"/>
+              <a:rPr lang="en-US"/>
               <a:t>Click to edit Master subtitle style</a:t>
             </a:r>
-            <a:endParaRPr lang="en-US"/>
           </a:p>
         </p:txBody>
       </p:sp>
@@ -289,7 +303,7 @@
             <a:fld id="{47542D80-E4A0-49FB-AA90-8610F7E69D8C}" type="datetimeFigureOut">
               <a:rPr lang="en-US" smtClean="0"/>
               <a:pPr/>
-              <a:t>3/28/2015</a:t>
+              <a:t>11/6/2025</a:t>
             </a:fld>
             <a:endParaRPr lang="en-US"/>
           </a:p>
@@ -379,10 +393,9 @@
           <a:lstStyle/>
           <a:p>
             <a:r>
-              <a:rPr lang="en-US" smtClean="0"/>
+              <a:rPr lang="en-US"/>
               <a:t>Click to edit Master title style</a:t>
             </a:r>
-            <a:endParaRPr lang="en-US"/>
           </a:p>
         </p:txBody>
       </p:sp>
@@ -403,38 +416,37 @@
           <a:p>
             <a:pPr lvl="0"/>
             <a:r>
-              <a:rPr lang="en-US" smtClean="0"/>
+              <a:rPr lang="en-US"/>
               <a:t>Click to edit Master text styles</a:t>
             </a:r>
           </a:p>
           <a:p>
             <a:pPr lvl="1"/>
             <a:r>
-              <a:rPr lang="en-US" smtClean="0"/>
+              <a:rPr lang="en-US"/>
               <a:t>Second level</a:t>
             </a:r>
           </a:p>
           <a:p>
             <a:pPr lvl="2"/>
             <a:r>
-              <a:rPr lang="en-US" smtClean="0"/>
+              <a:rPr lang="en-US"/>
               <a:t>Third level</a:t>
             </a:r>
           </a:p>
           <a:p>
             <a:pPr lvl="3"/>
             <a:r>
-              <a:rPr lang="en-US" smtClean="0"/>
+              <a:rPr lang="en-US"/>
               <a:t>Fourth level</a:t>
             </a:r>
           </a:p>
           <a:p>
             <a:pPr lvl="4"/>
             <a:r>
-              <a:rPr lang="en-US" smtClean="0"/>
+              <a:rPr lang="en-US"/>
               <a:t>Fifth level</a:t>
             </a:r>
-            <a:endParaRPr lang="en-US"/>
           </a:p>
         </p:txBody>
       </p:sp>
@@ -456,7 +468,7 @@
             <a:fld id="{47542D80-E4A0-49FB-AA90-8610F7E69D8C}" type="datetimeFigureOut">
               <a:rPr lang="en-US" smtClean="0"/>
               <a:pPr/>
-              <a:t>3/28/2015</a:t>
+              <a:t>11/6/2025</a:t>
             </a:fld>
             <a:endParaRPr lang="en-US"/>
           </a:p>
@@ -551,10 +563,9 @@
           <a:lstStyle/>
           <a:p>
             <a:r>
-              <a:rPr lang="en-US" smtClean="0"/>
+              <a:rPr lang="en-US"/>
               <a:t>Click to edit Master title style</a:t>
             </a:r>
-            <a:endParaRPr lang="en-US"/>
           </a:p>
         </p:txBody>
       </p:sp>
@@ -580,38 +591,37 @@
           <a:p>
             <a:pPr lvl="0"/>
             <a:r>
-              <a:rPr lang="en-US" smtClean="0"/>
+              <a:rPr lang="en-US"/>
               <a:t>Click to edit Master text styles</a:t>
             </a:r>
           </a:p>
           <a:p>
             <a:pPr lvl="1"/>
             <a:r>
-              <a:rPr lang="en-US" smtClean="0"/>
+              <a:rPr lang="en-US"/>
               <a:t>Second level</a:t>
             </a:r>
           </a:p>
           <a:p>
             <a:pPr lvl="2"/>
             <a:r>
-              <a:rPr lang="en-US" smtClean="0"/>
+              <a:rPr lang="en-US"/>
               <a:t>Third level</a:t>
             </a:r>
           </a:p>
           <a:p>
             <a:pPr lvl="3"/>
             <a:r>
-              <a:rPr lang="en-US" smtClean="0"/>
+              <a:rPr lang="en-US"/>
               <a:t>Fourth level</a:t>
             </a:r>
           </a:p>
           <a:p>
             <a:pPr lvl="4"/>
             <a:r>
-              <a:rPr lang="en-US" smtClean="0"/>
+              <a:rPr lang="en-US"/>
               <a:t>Fifth level</a:t>
             </a:r>
-            <a:endParaRPr lang="en-US"/>
           </a:p>
         </p:txBody>
       </p:sp>
@@ -633,7 +643,7 @@
             <a:fld id="{47542D80-E4A0-49FB-AA90-8610F7E69D8C}" type="datetimeFigureOut">
               <a:rPr lang="en-US" smtClean="0"/>
               <a:pPr/>
-              <a:t>3/28/2015</a:t>
+              <a:t>11/6/2025</a:t>
             </a:fld>
             <a:endParaRPr lang="en-US"/>
           </a:p>
@@ -723,10 +733,9 @@
           <a:lstStyle/>
           <a:p>
             <a:r>
-              <a:rPr lang="en-US" smtClean="0"/>
+              <a:rPr lang="en-US"/>
               <a:t>Click to edit Master title style</a:t>
             </a:r>
-            <a:endParaRPr lang="en-US"/>
           </a:p>
         </p:txBody>
       </p:sp>
@@ -747,38 +756,37 @@
           <a:p>
             <a:pPr lvl="0"/>
             <a:r>
-              <a:rPr lang="en-US" smtClean="0"/>
+              <a:rPr lang="en-US"/>
               <a:t>Click to edit Master text styles</a:t>
             </a:r>
           </a:p>
           <a:p>
             <a:pPr lvl="1"/>
             <a:r>
-              <a:rPr lang="en-US" smtClean="0"/>
+              <a:rPr lang="en-US"/>
               <a:t>Second level</a:t>
             </a:r>
           </a:p>
           <a:p>
             <a:pPr lvl="2"/>
             <a:r>
-              <a:rPr lang="en-US" smtClean="0"/>
+              <a:rPr lang="en-US"/>
               <a:t>Third level</a:t>
             </a:r>
           </a:p>
           <a:p>
             <a:pPr lvl="3"/>
             <a:r>
-              <a:rPr lang="en-US" smtClean="0"/>
+              <a:rPr lang="en-US"/>
               <a:t>Fourth level</a:t>
             </a:r>
           </a:p>
           <a:p>
             <a:pPr lvl="4"/>
             <a:r>
-              <a:rPr lang="en-US" smtClean="0"/>
+              <a:rPr lang="en-US"/>
               <a:t>Fifth level</a:t>
             </a:r>
-            <a:endParaRPr lang="en-US"/>
           </a:p>
         </p:txBody>
       </p:sp>
@@ -800,7 +808,7 @@
             <a:fld id="{47542D80-E4A0-49FB-AA90-8610F7E69D8C}" type="datetimeFigureOut">
               <a:rPr lang="en-US" smtClean="0"/>
               <a:pPr/>
-              <a:t>3/28/2015</a:t>
+              <a:t>11/6/2025</a:t>
             </a:fld>
             <a:endParaRPr lang="en-US"/>
           </a:p>
@@ -899,10 +907,9 @@
           </a:lstStyle>
           <a:p>
             <a:r>
-              <a:rPr lang="en-US" smtClean="0"/>
+              <a:rPr lang="en-US"/>
               <a:t>Click to edit Master title style</a:t>
             </a:r>
-            <a:endParaRPr lang="en-US"/>
           </a:p>
         </p:txBody>
       </p:sp>
@@ -1019,7 +1026,7 @@
           <a:p>
             <a:pPr lvl="0"/>
             <a:r>
-              <a:rPr lang="en-US" smtClean="0"/>
+              <a:rPr lang="en-US"/>
               <a:t>Click to edit Master text styles</a:t>
             </a:r>
           </a:p>
@@ -1043,7 +1050,7 @@
             <a:fld id="{47542D80-E4A0-49FB-AA90-8610F7E69D8C}" type="datetimeFigureOut">
               <a:rPr lang="en-US" smtClean="0"/>
               <a:pPr/>
-              <a:t>3/28/2015</a:t>
+              <a:t>11/6/2025</a:t>
             </a:fld>
             <a:endParaRPr lang="en-US"/>
           </a:p>
@@ -1133,10 +1140,9 @@
           <a:lstStyle/>
           <a:p>
             <a:r>
-              <a:rPr lang="en-US" smtClean="0"/>
+              <a:rPr lang="en-US"/>
               <a:t>Click to edit Master title style</a:t>
             </a:r>
-            <a:endParaRPr lang="en-US"/>
           </a:p>
         </p:txBody>
       </p:sp>
@@ -1190,38 +1196,37 @@
           <a:p>
             <a:pPr lvl="0"/>
             <a:r>
-              <a:rPr lang="en-US" smtClean="0"/>
+              <a:rPr lang="en-US"/>
               <a:t>Click to edit Master text styles</a:t>
             </a:r>
           </a:p>
           <a:p>
             <a:pPr lvl="1"/>
             <a:r>
-              <a:rPr lang="en-US" smtClean="0"/>
+              <a:rPr lang="en-US"/>
               <a:t>Second level</a:t>
             </a:r>
           </a:p>
           <a:p>
             <a:pPr lvl="2"/>
             <a:r>
-              <a:rPr lang="en-US" smtClean="0"/>
+              <a:rPr lang="en-US"/>
               <a:t>Third level</a:t>
             </a:r>
           </a:p>
           <a:p>
             <a:pPr lvl="3"/>
             <a:r>
-              <a:rPr lang="en-US" smtClean="0"/>
+              <a:rPr lang="en-US"/>
               <a:t>Fourth level</a:t>
             </a:r>
           </a:p>
           <a:p>
             <a:pPr lvl="4"/>
             <a:r>
-              <a:rPr lang="en-US" smtClean="0"/>
+              <a:rPr lang="en-US"/>
               <a:t>Fifth level</a:t>
             </a:r>
-            <a:endParaRPr lang="en-US"/>
           </a:p>
         </p:txBody>
       </p:sp>
@@ -1275,38 +1280,37 @@
           <a:p>
             <a:pPr lvl="0"/>
             <a:r>
-              <a:rPr lang="en-US" smtClean="0"/>
+              <a:rPr lang="en-US"/>
               <a:t>Click to edit Master text styles</a:t>
             </a:r>
           </a:p>
           <a:p>
             <a:pPr lvl="1"/>
             <a:r>
-              <a:rPr lang="en-US" smtClean="0"/>
+              <a:rPr lang="en-US"/>
               <a:t>Second level</a:t>
             </a:r>
           </a:p>
           <a:p>
             <a:pPr lvl="2"/>
             <a:r>
-              <a:rPr lang="en-US" smtClean="0"/>
+              <a:rPr lang="en-US"/>
               <a:t>Third level</a:t>
             </a:r>
           </a:p>
           <a:p>
             <a:pPr lvl="3"/>
             <a:r>
-              <a:rPr lang="en-US" smtClean="0"/>
+              <a:rPr lang="en-US"/>
               <a:t>Fourth level</a:t>
             </a:r>
           </a:p>
           <a:p>
             <a:pPr lvl="4"/>
             <a:r>
-              <a:rPr lang="en-US" smtClean="0"/>
+              <a:rPr lang="en-US"/>
               <a:t>Fifth level</a:t>
             </a:r>
-            <a:endParaRPr lang="en-US"/>
           </a:p>
         </p:txBody>
       </p:sp>
@@ -1328,7 +1332,7 @@
             <a:fld id="{47542D80-E4A0-49FB-AA90-8610F7E69D8C}" type="datetimeFigureOut">
               <a:rPr lang="en-US" smtClean="0"/>
               <a:pPr/>
-              <a:t>3/28/2015</a:t>
+              <a:t>11/6/2025</a:t>
             </a:fld>
             <a:endParaRPr lang="en-US"/>
           </a:p>
@@ -1422,10 +1426,9 @@
           </a:lstStyle>
           <a:p>
             <a:r>
-              <a:rPr lang="en-US" smtClean="0"/>
+              <a:rPr lang="en-US"/>
               <a:t>Click to edit Master title style</a:t>
             </a:r>
-            <a:endParaRPr lang="en-US"/>
           </a:p>
         </p:txBody>
       </p:sp>
@@ -1488,7 +1491,7 @@
           <a:p>
             <a:pPr lvl="0"/>
             <a:r>
-              <a:rPr lang="en-US" smtClean="0"/>
+              <a:rPr lang="en-US"/>
               <a:t>Click to edit Master text styles</a:t>
             </a:r>
           </a:p>
@@ -1544,38 +1547,37 @@
           <a:p>
             <a:pPr lvl="0"/>
             <a:r>
-              <a:rPr lang="en-US" smtClean="0"/>
+              <a:rPr lang="en-US"/>
               <a:t>Click to edit Master text styles</a:t>
             </a:r>
           </a:p>
           <a:p>
             <a:pPr lvl="1"/>
             <a:r>
-              <a:rPr lang="en-US" smtClean="0"/>
+              <a:rPr lang="en-US"/>
               <a:t>Second level</a:t>
             </a:r>
           </a:p>
           <a:p>
             <a:pPr lvl="2"/>
             <a:r>
-              <a:rPr lang="en-US" smtClean="0"/>
+              <a:rPr lang="en-US"/>
               <a:t>Third level</a:t>
             </a:r>
           </a:p>
           <a:p>
             <a:pPr lvl="3"/>
             <a:r>
-              <a:rPr lang="en-US" smtClean="0"/>
+              <a:rPr lang="en-US"/>
               <a:t>Fourth level</a:t>
             </a:r>
           </a:p>
           <a:p>
             <a:pPr lvl="4"/>
             <a:r>
-              <a:rPr lang="en-US" smtClean="0"/>
+              <a:rPr lang="en-US"/>
               <a:t>Fifth level</a:t>
             </a:r>
-            <a:endParaRPr lang="en-US"/>
           </a:p>
         </p:txBody>
       </p:sp>
@@ -1638,7 +1640,7 @@
           <a:p>
             <a:pPr lvl="0"/>
             <a:r>
-              <a:rPr lang="en-US" smtClean="0"/>
+              <a:rPr lang="en-US"/>
               <a:t>Click to edit Master text styles</a:t>
             </a:r>
           </a:p>
@@ -1694,38 +1696,37 @@
           <a:p>
             <a:pPr lvl="0"/>
             <a:r>
-              <a:rPr lang="en-US" smtClean="0"/>
+              <a:rPr lang="en-US"/>
               <a:t>Click to edit Master text styles</a:t>
             </a:r>
           </a:p>
           <a:p>
             <a:pPr lvl="1"/>
             <a:r>
-              <a:rPr lang="en-US" smtClean="0"/>
+              <a:rPr lang="en-US"/>
               <a:t>Second level</a:t>
             </a:r>
           </a:p>
           <a:p>
             <a:pPr lvl="2"/>
             <a:r>
-              <a:rPr lang="en-US" smtClean="0"/>
+              <a:rPr lang="en-US"/>
               <a:t>Third level</a:t>
             </a:r>
           </a:p>
           <a:p>
             <a:pPr lvl="3"/>
             <a:r>
-              <a:rPr lang="en-US" smtClean="0"/>
+              <a:rPr lang="en-US"/>
               <a:t>Fourth level</a:t>
             </a:r>
           </a:p>
           <a:p>
             <a:pPr lvl="4"/>
             <a:r>
-              <a:rPr lang="en-US" smtClean="0"/>
+              <a:rPr lang="en-US"/>
               <a:t>Fifth level</a:t>
             </a:r>
-            <a:endParaRPr lang="en-US"/>
           </a:p>
         </p:txBody>
       </p:sp>
@@ -1747,7 +1748,7 @@
             <a:fld id="{47542D80-E4A0-49FB-AA90-8610F7E69D8C}" type="datetimeFigureOut">
               <a:rPr lang="en-US" smtClean="0"/>
               <a:pPr/>
-              <a:t>3/28/2015</a:t>
+              <a:t>11/6/2025</a:t>
             </a:fld>
             <a:endParaRPr lang="en-US"/>
           </a:p>
@@ -1837,10 +1838,9 @@
           <a:lstStyle/>
           <a:p>
             <a:r>
-              <a:rPr lang="en-US" smtClean="0"/>
+              <a:rPr lang="en-US"/>
               <a:t>Click to edit Master title style</a:t>
             </a:r>
-            <a:endParaRPr lang="en-US"/>
           </a:p>
         </p:txBody>
       </p:sp>
@@ -1862,7 +1862,7 @@
             <a:fld id="{47542D80-E4A0-49FB-AA90-8610F7E69D8C}" type="datetimeFigureOut">
               <a:rPr lang="en-US" smtClean="0"/>
               <a:pPr/>
-              <a:t>3/28/2015</a:t>
+              <a:t>11/6/2025</a:t>
             </a:fld>
             <a:endParaRPr lang="en-US"/>
           </a:p>
@@ -1954,7 +1954,7 @@
             <a:fld id="{47542D80-E4A0-49FB-AA90-8610F7E69D8C}" type="datetimeFigureOut">
               <a:rPr lang="en-US" smtClean="0"/>
               <a:pPr/>
-              <a:t>3/28/2015</a:t>
+              <a:t>11/6/2025</a:t>
             </a:fld>
             <a:endParaRPr lang="en-US"/>
           </a:p>
@@ -2053,10 +2053,9 @@
           </a:lstStyle>
           <a:p>
             <a:r>
-              <a:rPr lang="en-US" smtClean="0"/>
+              <a:rPr lang="en-US"/>
               <a:t>Click to edit Master title style</a:t>
             </a:r>
-            <a:endParaRPr lang="en-US"/>
           </a:p>
         </p:txBody>
       </p:sp>
@@ -2110,38 +2109,37 @@
           <a:p>
             <a:pPr lvl="0"/>
             <a:r>
-              <a:rPr lang="en-US" smtClean="0"/>
+              <a:rPr lang="en-US"/>
               <a:t>Click to edit Master text styles</a:t>
             </a:r>
           </a:p>
           <a:p>
             <a:pPr lvl="1"/>
             <a:r>
-              <a:rPr lang="en-US" smtClean="0"/>
+              <a:rPr lang="en-US"/>
               <a:t>Second level</a:t>
             </a:r>
           </a:p>
           <a:p>
             <a:pPr lvl="2"/>
             <a:r>
-              <a:rPr lang="en-US" smtClean="0"/>
+              <a:rPr lang="en-US"/>
               <a:t>Third level</a:t>
             </a:r>
           </a:p>
           <a:p>
             <a:pPr lvl="3"/>
             <a:r>
-              <a:rPr lang="en-US" smtClean="0"/>
+              <a:rPr lang="en-US"/>
               <a:t>Fourth level</a:t>
             </a:r>
           </a:p>
           <a:p>
             <a:pPr lvl="4"/>
             <a:r>
-              <a:rPr lang="en-US" smtClean="0"/>
+              <a:rPr lang="en-US"/>
               <a:t>Fifth level</a:t>
             </a:r>
-            <a:endParaRPr lang="en-US"/>
           </a:p>
         </p:txBody>
       </p:sp>
@@ -2204,7 +2202,7 @@
           <a:p>
             <a:pPr lvl="0"/>
             <a:r>
-              <a:rPr lang="en-US" smtClean="0"/>
+              <a:rPr lang="en-US"/>
               <a:t>Click to edit Master text styles</a:t>
             </a:r>
           </a:p>
@@ -2228,7 +2226,7 @@
             <a:fld id="{47542D80-E4A0-49FB-AA90-8610F7E69D8C}" type="datetimeFigureOut">
               <a:rPr lang="en-US" smtClean="0"/>
               <a:pPr/>
-              <a:t>3/28/2015</a:t>
+              <a:t>11/6/2025</a:t>
             </a:fld>
             <a:endParaRPr lang="en-US"/>
           </a:p>
@@ -2327,10 +2325,9 @@
           </a:lstStyle>
           <a:p>
             <a:r>
-              <a:rPr lang="en-US" smtClean="0"/>
+              <a:rPr lang="en-US"/>
               <a:t>Click to edit Master title style</a:t>
             </a:r>
-            <a:endParaRPr lang="en-US"/>
           </a:p>
         </p:txBody>
       </p:sp>
@@ -2454,7 +2451,7 @@
           <a:p>
             <a:pPr lvl="0"/>
             <a:r>
-              <a:rPr lang="en-US" smtClean="0"/>
+              <a:rPr lang="en-US"/>
               <a:t>Click to edit Master text styles</a:t>
             </a:r>
           </a:p>
@@ -2478,7 +2475,7 @@
             <a:fld id="{47542D80-E4A0-49FB-AA90-8610F7E69D8C}" type="datetimeFigureOut">
               <a:rPr lang="en-US" smtClean="0"/>
               <a:pPr/>
-              <a:t>3/28/2015</a:t>
+              <a:t>11/6/2025</a:t>
             </a:fld>
             <a:endParaRPr lang="en-US"/>
           </a:p>
@@ -2583,10 +2580,9 @@
           <a:lstStyle/>
           <a:p>
             <a:r>
-              <a:rPr lang="en-US" smtClean="0"/>
+              <a:rPr lang="en-US"/>
               <a:t>Click to edit Master title style</a:t>
             </a:r>
-            <a:endParaRPr lang="en-US"/>
           </a:p>
         </p:txBody>
       </p:sp>
@@ -2617,38 +2613,37 @@
           <a:p>
             <a:pPr lvl="0"/>
             <a:r>
-              <a:rPr lang="en-US" smtClean="0"/>
+              <a:rPr lang="en-US"/>
               <a:t>Click to edit Master text styles</a:t>
             </a:r>
           </a:p>
           <a:p>
             <a:pPr lvl="1"/>
             <a:r>
-              <a:rPr lang="en-US" smtClean="0"/>
+              <a:rPr lang="en-US"/>
               <a:t>Second level</a:t>
             </a:r>
           </a:p>
           <a:p>
             <a:pPr lvl="2"/>
             <a:r>
-              <a:rPr lang="en-US" smtClean="0"/>
+              <a:rPr lang="en-US"/>
               <a:t>Third level</a:t>
             </a:r>
           </a:p>
           <a:p>
             <a:pPr lvl="3"/>
             <a:r>
-              <a:rPr lang="en-US" smtClean="0"/>
+              <a:rPr lang="en-US"/>
               <a:t>Fourth level</a:t>
             </a:r>
           </a:p>
           <a:p>
             <a:pPr lvl="4"/>
             <a:r>
-              <a:rPr lang="en-US" smtClean="0"/>
+              <a:rPr lang="en-US"/>
               <a:t>Fifth level</a:t>
             </a:r>
-            <a:endParaRPr lang="en-US"/>
           </a:p>
         </p:txBody>
       </p:sp>
@@ -2688,7 +2683,7 @@
             <a:fld id="{47542D80-E4A0-49FB-AA90-8610F7E69D8C}" type="datetimeFigureOut">
               <a:rPr lang="en-US" smtClean="0"/>
               <a:pPr/>
-              <a:t>3/28/2015</a:t>
+              <a:t>11/6/2025</a:t>
             </a:fld>
             <a:endParaRPr lang="en-US"/>
           </a:p>
@@ -3201,7 +3196,7 @@
           <a:p>
             <a:pPr algn="ctr"/>
             <a:r>
-              <a:rPr lang="en-US" sz="9600" b="1" cap="none" spc="0" dirty="0" smtClean="0">
+              <a:rPr lang="en-US" sz="9600" b="1" cap="none" spc="0" dirty="0">
                 <a:ln w="11430"/>
                 <a:gradFill>
                   <a:gsLst>
@@ -3238,41 +3233,6 @@
               </a:rPr>
               <a:t>LIMIT</a:t>
             </a:r>
-            <a:endParaRPr lang="en-US" sz="9600" b="1" cap="none" spc="0" dirty="0">
-              <a:ln w="11430"/>
-              <a:gradFill>
-                <a:gsLst>
-                  <a:gs pos="0">
-                    <a:schemeClr val="accent2">
-                      <a:tint val="70000"/>
-                      <a:satMod val="245000"/>
-                    </a:schemeClr>
-                  </a:gs>
-                  <a:gs pos="75000">
-                    <a:schemeClr val="accent2">
-                      <a:tint val="90000"/>
-                      <a:shade val="60000"/>
-                      <a:satMod val="240000"/>
-                    </a:schemeClr>
-                  </a:gs>
-                  <a:gs pos="100000">
-                    <a:schemeClr val="accent2">
-                      <a:tint val="100000"/>
-                      <a:shade val="50000"/>
-                      <a:satMod val="240000"/>
-                    </a:schemeClr>
-                  </a:gs>
-                </a:gsLst>
-                <a:lin ang="5400000"/>
-              </a:gradFill>
-              <a:effectLst>
-                <a:outerShdw blurRad="50800" dist="39000" dir="5460000" algn="tl">
-                  <a:srgbClr val="000000">
-                    <a:alpha val="38000"/>
-                  </a:srgbClr>
-                </a:outerShdw>
-              </a:effectLst>
-            </a:endParaRPr>
           </a:p>
         </p:txBody>
       </p:sp>
@@ -3284,8 +3244,8 @@
         </p:nvSpPr>
         <p:spPr>
           <a:xfrm>
-            <a:off x="194947" y="1295400"/>
-            <a:ext cx="8949053" cy="707886"/>
+            <a:off x="584511" y="1509919"/>
+            <a:ext cx="8051178" cy="646331"/>
           </a:xfrm>
           <a:prstGeom prst="rect">
             <a:avLst/>
@@ -3314,7 +3274,7 @@
           <a:p>
             <a:pPr algn="ctr"/>
             <a:r>
-              <a:rPr lang="en-US" sz="2000" b="1" dirty="0" smtClean="0">
+              <a:rPr lang="en-US" b="1" dirty="0">
                 <a:ln w="11430"/>
                 <a:gradFill>
                   <a:gsLst>
@@ -3349,10 +3309,13 @@
                   </a:outerShdw>
                 </a:effectLst>
               </a:rPr>
-              <a:t>Definition: is </a:t>
-            </a:r>
-            <a:r>
-              <a:rPr lang="en-US" sz="2000" b="1" dirty="0">
+              <a:t>Definition: is used to describe the value that a function or sequence "approaches" </a:t>
+            </a:r>
+          </a:p>
+          <a:p>
+            <a:pPr algn="ctr"/>
+            <a:r>
+              <a:rPr lang="en-US" b="1" dirty="0">
                 <a:ln w="11430"/>
                 <a:gradFill>
                   <a:gsLst>
@@ -3387,121 +3350,7 @@
                   </a:outerShdw>
                 </a:effectLst>
               </a:rPr>
-              <a:t>used to describe the value that a function or sequence "approaches" </a:t>
-            </a:r>
-            <a:endParaRPr lang="en-US" sz="2000" b="1" dirty="0" smtClean="0">
-              <a:ln w="11430"/>
-              <a:gradFill>
-                <a:gsLst>
-                  <a:gs pos="0">
-                    <a:schemeClr val="accent2">
-                      <a:tint val="70000"/>
-                      <a:satMod val="245000"/>
-                    </a:schemeClr>
-                  </a:gs>
-                  <a:gs pos="75000">
-                    <a:schemeClr val="accent2">
-                      <a:tint val="90000"/>
-                      <a:shade val="60000"/>
-                      <a:satMod val="240000"/>
-                    </a:schemeClr>
-                  </a:gs>
-                  <a:gs pos="100000">
-                    <a:schemeClr val="accent2">
-                      <a:tint val="100000"/>
-                      <a:shade val="50000"/>
-                      <a:satMod val="240000"/>
-                    </a:schemeClr>
-                  </a:gs>
-                </a:gsLst>
-                <a:lin ang="5400000"/>
-              </a:gradFill>
-              <a:effectLst>
-                <a:outerShdw blurRad="50800" dist="39000" dir="5460000" algn="tl">
-                  <a:srgbClr val="000000">
-                    <a:alpha val="38000"/>
-                  </a:srgbClr>
-                </a:outerShdw>
-              </a:effectLst>
-            </a:endParaRPr>
-          </a:p>
-          <a:p>
-            <a:pPr algn="ctr"/>
-            <a:r>
-              <a:rPr lang="en-US" sz="2000" b="1" dirty="0" smtClean="0">
-                <a:ln w="11430"/>
-                <a:gradFill>
-                  <a:gsLst>
-                    <a:gs pos="0">
-                      <a:schemeClr val="accent2">
-                        <a:tint val="70000"/>
-                        <a:satMod val="245000"/>
-                      </a:schemeClr>
-                    </a:gs>
-                    <a:gs pos="75000">
-                      <a:schemeClr val="accent2">
-                        <a:tint val="90000"/>
-                        <a:shade val="60000"/>
-                        <a:satMod val="240000"/>
-                      </a:schemeClr>
-                    </a:gs>
-                    <a:gs pos="100000">
-                      <a:schemeClr val="accent2">
-                        <a:tint val="100000"/>
-                        <a:shade val="50000"/>
-                        <a:satMod val="240000"/>
-                      </a:schemeClr>
-                    </a:gs>
-                  </a:gsLst>
-                  <a:lin ang="5400000"/>
-                </a:gradFill>
-                <a:effectLst>
-                  <a:outerShdw blurRad="50800" dist="39000" dir="5460000" algn="tl">
-                    <a:srgbClr val="000000">
-                      <a:alpha val="38000"/>
-                    </a:srgbClr>
-                  </a:outerShdw>
-                </a:effectLst>
-              </a:rPr>
-              <a:t>as </a:t>
-            </a:r>
-            <a:r>
-              <a:rPr lang="en-US" sz="2000" b="1" dirty="0">
-                <a:ln w="11430"/>
-                <a:gradFill>
-                  <a:gsLst>
-                    <a:gs pos="0">
-                      <a:schemeClr val="accent2">
-                        <a:tint val="70000"/>
-                        <a:satMod val="245000"/>
-                      </a:schemeClr>
-                    </a:gs>
-                    <a:gs pos="75000">
-                      <a:schemeClr val="accent2">
-                        <a:tint val="90000"/>
-                        <a:shade val="60000"/>
-                        <a:satMod val="240000"/>
-                      </a:schemeClr>
-                    </a:gs>
-                    <a:gs pos="100000">
-                      <a:schemeClr val="accent2">
-                        <a:tint val="100000"/>
-                        <a:shade val="50000"/>
-                        <a:satMod val="240000"/>
-                      </a:schemeClr>
-                    </a:gs>
-                  </a:gsLst>
-                  <a:lin ang="5400000"/>
-                </a:gradFill>
-                <a:effectLst>
-                  <a:outerShdw blurRad="50800" dist="39000" dir="5460000" algn="tl">
-                    <a:srgbClr val="000000">
-                      <a:alpha val="38000"/>
-                    </a:srgbClr>
-                  </a:outerShdw>
-                </a:effectLst>
-              </a:rPr>
-              <a:t>the input or index approaches some value</a:t>
+              <a:t>as the input or index approaches some value</a:t>
             </a:r>
           </a:p>
         </p:txBody>
@@ -3572,7 +3421,7 @@
           <a:p>
             <a:pPr algn="ctr"/>
             <a:r>
-              <a:rPr lang="en-US" sz="3200" b="1" cap="all" spc="0" dirty="0" smtClean="0">
+              <a:rPr lang="en-US" sz="3200" b="1" cap="all" spc="0" dirty="0">
                 <a:ln w="0"/>
                 <a:gradFill flip="none">
                   <a:gsLst>
@@ -3617,49 +3466,6 @@
               </a:rPr>
               <a:t>EXAMPLE↓↘</a:t>
             </a:r>
-            <a:endParaRPr lang="en-US" sz="3200" b="1" cap="all" spc="0" dirty="0">
-              <a:ln w="0"/>
-              <a:gradFill flip="none">
-                <a:gsLst>
-                  <a:gs pos="0">
-                    <a:schemeClr val="accent1">
-                      <a:tint val="75000"/>
-                      <a:shade val="75000"/>
-                      <a:satMod val="170000"/>
-                    </a:schemeClr>
-                  </a:gs>
-                  <a:gs pos="49000">
-                    <a:schemeClr val="accent1">
-                      <a:tint val="88000"/>
-                      <a:shade val="65000"/>
-                      <a:satMod val="172000"/>
-                    </a:schemeClr>
-                  </a:gs>
-                  <a:gs pos="50000">
-                    <a:schemeClr val="accent1">
-                      <a:shade val="65000"/>
-                      <a:satMod val="130000"/>
-                    </a:schemeClr>
-                  </a:gs>
-                  <a:gs pos="92000">
-                    <a:schemeClr val="accent1">
-                      <a:shade val="50000"/>
-                      <a:satMod val="120000"/>
-                    </a:schemeClr>
-                  </a:gs>
-                  <a:gs pos="100000">
-                    <a:schemeClr val="accent1">
-                      <a:shade val="48000"/>
-                      <a:satMod val="120000"/>
-                    </a:schemeClr>
-                  </a:gs>
-                </a:gsLst>
-                <a:lin ang="5400000"/>
-              </a:gradFill>
-              <a:effectLst>
-                <a:reflection blurRad="12700" stA="50000" endPos="50000" dist="5000" dir="5400000" sy="-100000" rotWithShape="0"/>
-              </a:effectLst>
-            </a:endParaRPr>
           </a:p>
         </p:txBody>
       </p:sp>
@@ -3720,13 +3526,6 @@
   <p:clrMapOvr>
     <a:masterClrMapping/>
   </p:clrMapOvr>
-  <p:timing>
-    <p:tnLst>
-      <p:par>
-        <p:cTn id="1" dur="indefinite" restart="never" nodeType="tmRoot"/>
-      </p:par>
-    </p:tnLst>
-  </p:timing>
 </p:sld>
 </file>
 
